--- a/Singing Lesson 2 02-24-18/SInging Lesson 2.pptx
+++ b/Singing Lesson 2 02-24-18/SInging Lesson 2.pptx
@@ -218,7 +218,7 @@
           <a:p>
             <a:fld id="{A86409B0-8AC5-4972-B928-B810ED7C4C64}" type="datetimeFigureOut">
               <a:rPr lang="en-US" smtClean="0"/>
-              <a:t>2/23/2018</a:t>
+              <a:t>2/25/2018</a:t>
             </a:fld>
             <a:endParaRPr lang="en-US"/>
           </a:p>
@@ -383,7 +383,7 @@
           <a:p>
             <a:fld id="{39C9F228-FD28-4486-B12E-CC8CCDA7B98E}" type="datetimeFigureOut">
               <a:rPr lang="en-US" smtClean="0"/>
-              <a:t>2/23/2018</a:t>
+              <a:t>2/25/2018</a:t>
             </a:fld>
             <a:endParaRPr lang="en-US"/>
           </a:p>
@@ -949,7 +949,7 @@
           <a:p>
             <a:fld id="{F077BB9F-04DD-4BEC-B746-E3998C50229B}" type="datetime1">
               <a:rPr lang="en-US" smtClean="0"/>
-              <a:t>2/23/2018</a:t>
+              <a:t>2/25/2018</a:t>
             </a:fld>
             <a:endParaRPr lang="en-US"/>
           </a:p>
@@ -1197,7 +1197,7 @@
           <a:p>
             <a:fld id="{5B784123-CFCC-4353-8B30-DE0CCE4E62CF}" type="datetime1">
               <a:rPr lang="en-US" smtClean="0"/>
-              <a:t>2/23/2018</a:t>
+              <a:t>2/25/2018</a:t>
             </a:fld>
             <a:endParaRPr lang="en-US"/>
           </a:p>
@@ -1377,7 +1377,7 @@
           <a:p>
             <a:fld id="{061C3574-5682-4D4A-B7D7-D09D32527D76}" type="datetime1">
               <a:rPr lang="en-US" smtClean="0"/>
-              <a:t>2/23/2018</a:t>
+              <a:t>2/25/2018</a:t>
             </a:fld>
             <a:endParaRPr lang="en-US"/>
           </a:p>
@@ -2603,7 +2603,7 @@
           <a:p>
             <a:fld id="{3EF55E9A-42F9-486F-9660-92EBA8EB8FE1}" type="datetime1">
               <a:rPr lang="en-US" smtClean="0"/>
-              <a:t>2/23/2018</a:t>
+              <a:t>2/25/2018</a:t>
             </a:fld>
             <a:endParaRPr lang="en-US"/>
           </a:p>
@@ -2975,7 +2975,7 @@
           <a:p>
             <a:fld id="{B7532E85-1C3E-47BF-9080-3288461E28F3}" type="datetime1">
               <a:rPr lang="en-US" smtClean="0"/>
-              <a:t>2/23/2018</a:t>
+              <a:t>2/25/2018</a:t>
             </a:fld>
             <a:endParaRPr lang="en-US"/>
           </a:p>
@@ -3104,7 +3104,7 @@
           <a:p>
             <a:fld id="{A61D36C9-2413-4908-B4FF-B601868ED00B}" type="datetime1">
               <a:rPr lang="en-US" smtClean="0"/>
-              <a:t>2/23/2018</a:t>
+              <a:t>2/25/2018</a:t>
             </a:fld>
             <a:endParaRPr lang="en-US"/>
           </a:p>
@@ -3871,7 +3871,7 @@
           <a:p>
             <a:fld id="{D1A10925-201A-4743-8853-90813EDB94FD}" type="datetime1">
               <a:rPr lang="en-US" smtClean="0"/>
-              <a:t>2/23/2018</a:t>
+              <a:t>2/25/2018</a:t>
             </a:fld>
             <a:endParaRPr lang="en-US"/>
           </a:p>
@@ -4158,7 +4158,7 @@
           <a:p>
             <a:fld id="{8029BC20-88B9-463E-BD09-C473B6CD8F2E}" type="datetime1">
               <a:rPr lang="en-US" smtClean="0"/>
-              <a:t>2/23/2018</a:t>
+              <a:t>2/25/2018</a:t>
             </a:fld>
             <a:endParaRPr lang="en-US"/>
           </a:p>
@@ -5268,7 +5268,7 @@
           <a:p>
             <a:fld id="{FDB05499-8E1A-487C-B00A-20F31C550463}" type="datetime1">
               <a:rPr lang="en-US" smtClean="0"/>
-              <a:t>2/23/2018</a:t>
+              <a:t>2/25/2018</a:t>
             </a:fld>
             <a:endParaRPr lang="en-US"/>
           </a:p>
